--- a/проектная деятельность часть 2 питч.pptx
+++ b/проектная деятельность часть 2 питч.pptx
@@ -839,7 +839,7 @@
           <a:p>
             <a:fld id="{4161F6A2-2DBA-4D94-8FB3-F578E7A5A24E}" type="datetimeFigureOut">
               <a:rPr lang="ru-RU" smtClean="0"/>
-              <a:t>23.05.2019</a:t>
+              <a:t>27.05.2019</a:t>
             </a:fld>
             <a:endParaRPr lang="ru-RU"/>
           </a:p>
@@ -1090,7 +1090,7 @@
           <a:p>
             <a:fld id="{4161F6A2-2DBA-4D94-8FB3-F578E7A5A24E}" type="datetimeFigureOut">
               <a:rPr lang="ru-RU" smtClean="0"/>
-              <a:t>23.05.2019</a:t>
+              <a:t>27.05.2019</a:t>
             </a:fld>
             <a:endParaRPr lang="ru-RU"/>
           </a:p>
@@ -1404,7 +1404,7 @@
           <a:p>
             <a:fld id="{4161F6A2-2DBA-4D94-8FB3-F578E7A5A24E}" type="datetimeFigureOut">
               <a:rPr lang="ru-RU" smtClean="0"/>
-              <a:t>23.05.2019</a:t>
+              <a:t>27.05.2019</a:t>
             </a:fld>
             <a:endParaRPr lang="ru-RU"/>
           </a:p>
@@ -1745,7 +1745,7 @@
           <a:p>
             <a:fld id="{4161F6A2-2DBA-4D94-8FB3-F578E7A5A24E}" type="datetimeFigureOut">
               <a:rPr lang="ru-RU" smtClean="0"/>
-              <a:t>23.05.2019</a:t>
+              <a:t>27.05.2019</a:t>
             </a:fld>
             <a:endParaRPr lang="ru-RU"/>
           </a:p>
@@ -2059,7 +2059,7 @@
           <a:p>
             <a:fld id="{4161F6A2-2DBA-4D94-8FB3-F578E7A5A24E}" type="datetimeFigureOut">
               <a:rPr lang="ru-RU" smtClean="0"/>
-              <a:t>23.05.2019</a:t>
+              <a:t>27.05.2019</a:t>
             </a:fld>
             <a:endParaRPr lang="ru-RU"/>
           </a:p>
@@ -2452,7 +2452,7 @@
           <a:p>
             <a:fld id="{4161F6A2-2DBA-4D94-8FB3-F578E7A5A24E}" type="datetimeFigureOut">
               <a:rPr lang="ru-RU" smtClean="0"/>
-              <a:t>23.05.2019</a:t>
+              <a:t>27.05.2019</a:t>
             </a:fld>
             <a:endParaRPr lang="ru-RU"/>
           </a:p>
@@ -2622,7 +2622,7 @@
           <a:p>
             <a:fld id="{4161F6A2-2DBA-4D94-8FB3-F578E7A5A24E}" type="datetimeFigureOut">
               <a:rPr lang="ru-RU" smtClean="0"/>
-              <a:t>23.05.2019</a:t>
+              <a:t>27.05.2019</a:t>
             </a:fld>
             <a:endParaRPr lang="ru-RU"/>
           </a:p>
@@ -2802,7 +2802,7 @@
           <a:p>
             <a:fld id="{4161F6A2-2DBA-4D94-8FB3-F578E7A5A24E}" type="datetimeFigureOut">
               <a:rPr lang="ru-RU" smtClean="0"/>
-              <a:t>23.05.2019</a:t>
+              <a:t>27.05.2019</a:t>
             </a:fld>
             <a:endParaRPr lang="ru-RU"/>
           </a:p>
@@ -2978,7 +2978,7 @@
           <a:p>
             <a:fld id="{4161F6A2-2DBA-4D94-8FB3-F578E7A5A24E}" type="datetimeFigureOut">
               <a:rPr lang="ru-RU" smtClean="0"/>
-              <a:t>23.05.2019</a:t>
+              <a:t>27.05.2019</a:t>
             </a:fld>
             <a:endParaRPr lang="ru-RU"/>
           </a:p>
@@ -3225,7 +3225,7 @@
           <a:p>
             <a:fld id="{4161F6A2-2DBA-4D94-8FB3-F578E7A5A24E}" type="datetimeFigureOut">
               <a:rPr lang="ru-RU" smtClean="0"/>
-              <a:t>23.05.2019</a:t>
+              <a:t>27.05.2019</a:t>
             </a:fld>
             <a:endParaRPr lang="ru-RU"/>
           </a:p>
@@ -3457,7 +3457,7 @@
           <a:p>
             <a:fld id="{4161F6A2-2DBA-4D94-8FB3-F578E7A5A24E}" type="datetimeFigureOut">
               <a:rPr lang="ru-RU" smtClean="0"/>
-              <a:t>23.05.2019</a:t>
+              <a:t>27.05.2019</a:t>
             </a:fld>
             <a:endParaRPr lang="ru-RU"/>
           </a:p>
@@ -3831,7 +3831,7 @@
           <a:p>
             <a:fld id="{4161F6A2-2DBA-4D94-8FB3-F578E7A5A24E}" type="datetimeFigureOut">
               <a:rPr lang="ru-RU" smtClean="0"/>
-              <a:t>23.05.2019</a:t>
+              <a:t>27.05.2019</a:t>
             </a:fld>
             <a:endParaRPr lang="ru-RU"/>
           </a:p>
@@ -3954,7 +3954,7 @@
           <a:p>
             <a:fld id="{4161F6A2-2DBA-4D94-8FB3-F578E7A5A24E}" type="datetimeFigureOut">
               <a:rPr lang="ru-RU" smtClean="0"/>
-              <a:t>23.05.2019</a:t>
+              <a:t>27.05.2019</a:t>
             </a:fld>
             <a:endParaRPr lang="ru-RU"/>
           </a:p>
@@ -4049,7 +4049,7 @@
           <a:p>
             <a:fld id="{4161F6A2-2DBA-4D94-8FB3-F578E7A5A24E}" type="datetimeFigureOut">
               <a:rPr lang="ru-RU" smtClean="0"/>
-              <a:t>23.05.2019</a:t>
+              <a:t>27.05.2019</a:t>
             </a:fld>
             <a:endParaRPr lang="ru-RU"/>
           </a:p>
@@ -4304,7 +4304,7 @@
           <a:p>
             <a:fld id="{4161F6A2-2DBA-4D94-8FB3-F578E7A5A24E}" type="datetimeFigureOut">
               <a:rPr lang="ru-RU" smtClean="0"/>
-              <a:t>23.05.2019</a:t>
+              <a:t>27.05.2019</a:t>
             </a:fld>
             <a:endParaRPr lang="ru-RU"/>
           </a:p>
@@ -4567,7 +4567,7 @@
           <a:p>
             <a:fld id="{4161F6A2-2DBA-4D94-8FB3-F578E7A5A24E}" type="datetimeFigureOut">
               <a:rPr lang="ru-RU" smtClean="0"/>
-              <a:t>23.05.2019</a:t>
+              <a:t>27.05.2019</a:t>
             </a:fld>
             <a:endParaRPr lang="ru-RU"/>
           </a:p>
@@ -5310,7 +5310,7 @@
           <a:p>
             <a:fld id="{4161F6A2-2DBA-4D94-8FB3-F578E7A5A24E}" type="datetimeFigureOut">
               <a:rPr lang="ru-RU" smtClean="0"/>
-              <a:t>23.05.2019</a:t>
+              <a:t>27.05.2019</a:t>
             </a:fld>
             <a:endParaRPr lang="ru-RU"/>
           </a:p>
@@ -6585,51 +6585,6 @@
       </p:sp>
       <p:pic>
         <p:nvPicPr>
-          <p:cNvPr id="9" name="Picture 2" descr="ÐÐ°ÑÑÐ¸Ð½ÐºÐ¸ Ð¿Ð¾ Ð·Ð°Ð¿ÑÐ¾ÑÑ shamrock">
-            <a:extLst>
-              <a:ext uri="{FF2B5EF4-FFF2-40B4-BE49-F238E27FC236}">
-                <a16:creationId xmlns:a16="http://schemas.microsoft.com/office/drawing/2014/main" id="{04BB6D4F-D76E-4368-BC29-762B6502E813}"/>
-              </a:ext>
-            </a:extLst>
-          </p:cNvPr>
-          <p:cNvPicPr>
-            <a:picLocks noChangeAspect="1" noChangeArrowheads="1"/>
-          </p:cNvPicPr>
-          <p:nvPr/>
-        </p:nvPicPr>
-        <p:blipFill rotWithShape="1">
-          <a:blip r:embed="rId4">
-            <a:extLst>
-              <a:ext uri="{28A0092B-C50C-407E-A947-70E740481C1C}">
-                <a14:useLocalDpi xmlns:a14="http://schemas.microsoft.com/office/drawing/2010/main" val="0"/>
-              </a:ext>
-            </a:extLst>
-          </a:blip>
-          <a:srcRect l="7117" t="10400" r="6850" b="8346"/>
-          <a:stretch/>
-        </p:blipFill>
-        <p:spPr bwMode="auto">
-          <a:xfrm>
-            <a:off x="8195983" y="3202716"/>
-            <a:ext cx="1527142" cy="1442302"/>
-          </a:xfrm>
-          <a:prstGeom prst="rect">
-            <a:avLst/>
-          </a:prstGeom>
-          <a:noFill/>
-          <a:extLst>
-            <a:ext uri="{909E8E84-426E-40DD-AFC4-6F175D3DCCD1}">
-              <a14:hiddenFill xmlns:a14="http://schemas.microsoft.com/office/drawing/2010/main">
-                <a:solidFill>
-                  <a:srgbClr val="FFFFFF"/>
-                </a:solidFill>
-              </a14:hiddenFill>
-            </a:ext>
-          </a:extLst>
-        </p:spPr>
-      </p:pic>
-      <p:pic>
-        <p:nvPicPr>
           <p:cNvPr id="5" name="Рисунок 4">
             <a:extLst>
               <a:ext uri="{FF2B5EF4-FFF2-40B4-BE49-F238E27FC236}">
@@ -6643,7 +6598,7 @@
           <p:nvPr/>
         </p:nvPicPr>
         <p:blipFill rotWithShape="1">
-          <a:blip r:embed="rId5"/>
+          <a:blip r:embed="rId4"/>
           <a:srcRect r="16855"/>
           <a:stretch/>
         </p:blipFill>
@@ -6982,6 +6937,51 @@
           </a:p>
         </p:txBody>
       </p:sp>
+      <p:pic>
+        <p:nvPicPr>
+          <p:cNvPr id="13" name="Picture 2" descr="ÐÐ°ÑÑÐ¸Ð½ÐºÐ¸ Ð¿Ð¾ Ð·Ð°Ð¿ÑÐ¾ÑÑ shamrock">
+            <a:extLst>
+              <a:ext uri="{FF2B5EF4-FFF2-40B4-BE49-F238E27FC236}">
+                <a16:creationId xmlns:a16="http://schemas.microsoft.com/office/drawing/2014/main" id="{61CA9A4B-8644-4B74-8E83-700A201BC8E4}"/>
+              </a:ext>
+            </a:extLst>
+          </p:cNvPr>
+          <p:cNvPicPr>
+            <a:picLocks noChangeAspect="1" noChangeArrowheads="1"/>
+          </p:cNvPicPr>
+          <p:nvPr/>
+        </p:nvPicPr>
+        <p:blipFill rotWithShape="1">
+          <a:blip r:embed="rId5">
+            <a:extLst>
+              <a:ext uri="{28A0092B-C50C-407E-A947-70E740481C1C}">
+                <a14:useLocalDpi xmlns:a14="http://schemas.microsoft.com/office/drawing/2010/main" val="0"/>
+              </a:ext>
+            </a:extLst>
+          </a:blip>
+          <a:srcRect l="7117" t="10400" r="6850" b="8346"/>
+          <a:stretch/>
+        </p:blipFill>
+        <p:spPr bwMode="auto">
+          <a:xfrm>
+            <a:off x="8205410" y="3212143"/>
+            <a:ext cx="1527142" cy="1442302"/>
+          </a:xfrm>
+          <a:prstGeom prst="rect">
+            <a:avLst/>
+          </a:prstGeom>
+          <a:noFill/>
+          <a:extLst>
+            <a:ext uri="{909E8E84-426E-40DD-AFC4-6F175D3DCCD1}">
+              <a14:hiddenFill xmlns:a14="http://schemas.microsoft.com/office/drawing/2010/main">
+                <a:solidFill>
+                  <a:srgbClr val="FFFFFF"/>
+                </a:solidFill>
+              </a14:hiddenFill>
+            </a:ext>
+          </a:extLst>
+        </p:spPr>
+      </p:pic>
     </p:spTree>
     <p:extLst>
       <p:ext uri="{BB962C8B-B14F-4D97-AF65-F5344CB8AC3E}">
@@ -7723,7 +7723,7 @@
         <p:spPr>
           <a:xfrm>
             <a:off x="2840610" y="4069049"/>
-            <a:ext cx="7264924" cy="2554545"/>
+            <a:ext cx="7264924" cy="2185214"/>
           </a:xfrm>
           <a:prstGeom prst="rect">
             <a:avLst/>
@@ -7750,10 +7750,8 @@
           <a:p>
             <a:r>
               <a:rPr lang="ru-RU" sz="2400" dirty="0"/>
-              <a:t>+79643219145</a:t>
-            </a:r>
-          </a:p>
-          <a:p>
+              <a:t>Даниэль Момот: +79643219145, </a:t>
+            </a:r>
             <a:r>
               <a:rPr lang="en-US" sz="2400" dirty="0">
                 <a:hlinkClick r:id="rId3"/>
@@ -7768,7 +7766,7 @@
           <a:p>
             <a:r>
               <a:rPr lang="ru-RU" sz="2400" dirty="0"/>
-              <a:t>Свяжитесь с нами, если вы хотите присоединиться!</a:t>
+              <a:t>Мы открыты для сотрудничества!</a:t>
             </a:r>
             <a:endParaRPr lang="en-US" sz="2400" dirty="0"/>
           </a:p>
